--- a/COM_MScBioinformatics_2020_Session2.pptx
+++ b/COM_MScBioinformatics_2020_Session2.pptx
@@ -13113,7 +13113,7 @@
                 </a:pPr>
                 <a:r>
                   <a:rPr/>
-                  <a:t>In this session we will (re)view the basic fundaments of probability and statistical theory that you need to know for later sessions.</a:t>
+                  <a:t>In this session we will look at how to summarise key aspects of a dataset, how to present this and how to explore a new dataset before starting any analysis.</a:t>
                 </a:r>
               </a:p>
               <a:p>

--- a/COM_MScBioinformatics_2020_Session2.pptx
+++ b/COM_MScBioinformatics_2020_Session2.pptx
@@ -12678,7 +12678,7 @@
             </a:pPr>
             <a:r>
               <a:rPr/>
-              <a:t>Apart from summarising 2 variables simulateneously, a contingency table is also useful to assess whether the 2 variables are associated with each other and a first step in an association test (see Sections 7 &amp; 8).</a:t>
+              <a:t>Apart from summarising 2 variables simulateneously, a contingency table is also useful to assess whether the 2 variables are associated with each other and a first step in an association test (see lecture on hypothesis testing).</a:t>
             </a:r>
           </a:p>
         </p:txBody>
@@ -17319,7 +17319,7 @@
                 </a:pPr>
                 <a:r>
                   <a:rPr/>
-                  <a:t>Imagine repeating an experiment a very lage number of times, e.g. </a:t>
+                  <a:t>Imagine repeating an experiment a very large number of times, e.g. </a:t>
                 </a:r>
                 <a14:m>
                   <m:oMath xmlns:m="http://schemas.openxmlformats.org/officeDocument/2006/math">
@@ -21126,7 +21126,7 @@
                 </a14:m>
                 <a:r>
                   <a:rPr/>
-                  <a:t> Simple regression &amp; association statistics [Section 7]</a:t>
+                  <a:t> Simple regression &amp; association statistics [see regression lecture]</a:t>
                 </a:r>
               </a:p>
             </p:txBody>

--- a/COM_MScBioinformatics_2020_Session2.pptx
+++ b/COM_MScBioinformatics_2020_Session2.pptx
@@ -5755,8 +5755,8 @@
                   <a:rPr sz="1800">
                     <a:latin typeface="Courier"/>
                   </a:rPr>
-                  <a:t>##        X2       phi         V      lambda
-##  13.97138 0.2225846 0.2225846 -0.02380952</a:t>
+                  <a:t>##        X2       phi         V lambda
+##  13.97138 0.2225846 0.2225846      0</a:t>
                 </a:r>
               </a:p>
             </p:txBody>
@@ -6759,16 +6759,7 @@
                 </a14:m>
                 <a:r>
                   <a:rPr/>
-                  <a:t>.</a:t>
-                </a:r>
-              </a:p>
-              <a:p>
-                <a:pPr lvl="0" marL="0" indent="0">
-                  <a:buNone/>
-                </a:pPr>
-                <a:r>
-                  <a:rPr/>
-                  <a:t>Spearman’s </a:t>
+                  <a:t>. Spearman’s </a:t>
                 </a:r>
                 <a14:m>
                   <m:oMath xmlns:m="http://schemas.openxmlformats.org/officeDocument/2006/math">
@@ -6779,7 +6770,7 @@
                 </a14:m>
                 <a:r>
                   <a:rPr/>
-                  <a:t> is then obtained as:</a:t>
+                  <a:t> is then:</a:t>
                 </a:r>
               </a:p>
               <a:p>
@@ -28633,7 +28624,7 @@
                       <m:t>=</m:t>
                     </m:r>
                     <m:r>
-                      <m:t>ρ</m:t>
+                      <m:t>r</m:t>
                     </m:r>
                   </m:oMath>
                 </a14:m>
@@ -28644,7 +28635,7 @@
                 <a14:m>
                   <m:oMath xmlns:m="http://schemas.openxmlformats.org/officeDocument/2006/math">
                     <m:r>
-                      <m:t>ρ</m:t>
+                      <m:t>r</m:t>
                     </m:r>
                   </m:oMath>
                 </a14:m>
